--- a/Final/Verifi_Method presentation.pptx
+++ b/Final/Verifi_Method presentation.pptx
@@ -7342,6 +7342,42 @@
           </a:p>
         </p:txBody>
       </p:sp>
+      <p:sp>
+        <p:nvSpPr>
+          <p:cNvPr id="2" name="TextBox 1">
+            <a:extLst>
+              <a:ext uri="{FF2B5EF4-FFF2-40B4-BE49-F238E27FC236}">
+                <a16:creationId xmlns:a16="http://schemas.microsoft.com/office/drawing/2014/main" id="{FF1FF49D-E45E-C18B-0511-2D46C64626E7}"/>
+              </a:ext>
+            </a:extLst>
+          </p:cNvPr>
+          <p:cNvSpPr txBox="1"/>
+          <p:nvPr/>
+        </p:nvSpPr>
+        <p:spPr>
+          <a:xfrm rot="21431164">
+            <a:off x="966916" y="594566"/>
+            <a:ext cx="4794372" cy="584775"/>
+          </a:xfrm>
+          <a:prstGeom prst="rect">
+            <a:avLst/>
+          </a:prstGeom>
+          <a:noFill/>
+        </p:spPr>
+        <p:txBody>
+          <a:bodyPr wrap="square" rtlCol="0">
+            <a:spAutoFit/>
+          </a:bodyPr>
+          <a:lstStyle/>
+          <a:p>
+            <a:r>
+              <a:rPr lang="en-GB" sz="3200" dirty="0"/>
+              <a:t>A Presentation on</a:t>
+            </a:r>
+            <a:endParaRPr lang="en-DE" sz="3200" dirty="0"/>
+          </a:p>
+        </p:txBody>
+      </p:sp>
     </p:spTree>
     <p:extLst>
       <p:ext uri="{BB962C8B-B14F-4D97-AF65-F5344CB8AC3E}">
@@ -7444,8 +7480,8 @@
         </p:nvSpPr>
         <p:spPr>
           <a:xfrm>
-            <a:off x="1814153" y="2602270"/>
-            <a:ext cx="716445" cy="1011177"/>
+            <a:off x="1849267" y="2602271"/>
+            <a:ext cx="681331" cy="1011176"/>
           </a:xfrm>
           <a:prstGeom prst="rect">
             <a:avLst/>
@@ -7568,8 +7604,8 @@
         </p:nvSpPr>
         <p:spPr>
           <a:xfrm>
-            <a:off x="4487538" y="2602269"/>
-            <a:ext cx="604621" cy="1011177"/>
+            <a:off x="4487538" y="2531919"/>
+            <a:ext cx="604621" cy="1081527"/>
           </a:xfrm>
           <a:prstGeom prst="rect">
             <a:avLst/>
@@ -7976,8 +8012,8 @@
         </p:nvSpPr>
         <p:spPr>
           <a:xfrm>
-            <a:off x="4212561" y="2053402"/>
-            <a:ext cx="1142607" cy="738664"/>
+            <a:off x="4175005" y="1915702"/>
+            <a:ext cx="1180163" cy="523220"/>
           </a:xfrm>
           <a:prstGeom prst="rect">
             <a:avLst/>
@@ -9609,15 +9645,7 @@
             <a:pPr algn="ctr"/>
             <a:r>
               <a:rPr lang="en-GB" sz="4000" b="1" dirty="0"/>
-              <a:t>Choosing Right </a:t>
-            </a:r>
-            <a:r>
-              <a:rPr lang="en-GB" sz="4000" b="1" dirty="0" err="1"/>
-              <a:t>Verifiction</a:t>
-            </a:r>
-            <a:r>
-              <a:rPr lang="en-GB" sz="4000" b="1" dirty="0"/>
-              <a:t> Method</a:t>
+              <a:t>Choosing Right Verification Method</a:t>
             </a:r>
             <a:endParaRPr lang="en-DE" sz="4000" b="1" dirty="0"/>
           </a:p>
@@ -12387,7 +12415,7 @@
         <p:spPr>
           <a:xfrm>
             <a:off x="899989" y="1554910"/>
-            <a:ext cx="9732395" cy="3693319"/>
+            <a:ext cx="9732395" cy="3970318"/>
           </a:xfrm>
           <a:prstGeom prst="rect">
             <a:avLst/>
@@ -12570,7 +12598,16 @@
               <a:rPr lang="en-GB" dirty="0">
                 <a:latin typeface="NimbusRomNo9L-Regu"/>
               </a:rPr>
-              <a:t>We will mainly focus on Functional Verification on this Presentation</a:t>
+              <a:t>We will mainly focus on Functional Verification and Emulation</a:t>
+            </a:r>
+          </a:p>
+          <a:p>
+            <a:pPr algn="l"/>
+            <a:r>
+              <a:rPr lang="en-GB" dirty="0">
+                <a:latin typeface="NimbusRomNo9L-Regu"/>
+              </a:rPr>
+              <a:t> on this Presentation</a:t>
             </a:r>
             <a:endParaRPr lang="en-GB" sz="1800" b="0" i="0" u="none" strike="noStrike" baseline="0" dirty="0">
               <a:latin typeface="NimbusRomNo9L-Regu"/>
@@ -13177,18 +13214,39 @@
               <a:t>Different formal verification tools available, including </a:t>
             </a:r>
             <a:r>
-              <a:rPr lang="en-GB" b="0" i="0" dirty="0" err="1">
+              <a:rPr lang="en-GB" b="1" i="0" dirty="0" err="1">
                 <a:effectLst/>
                 <a:latin typeface="Söhne"/>
               </a:rPr>
               <a:t>JasperGold</a:t>
+            </a:r>
+            <a:r>
+              <a:rPr lang="en-GB" b="1" i="0" dirty="0">
+                <a:effectLst/>
+                <a:latin typeface="Söhne"/>
+              </a:rPr>
+              <a:t>, Spyglass, </a:t>
+            </a:r>
+            <a:r>
+              <a:rPr lang="en-GB" i="0" dirty="0">
+                <a:effectLst/>
+                <a:latin typeface="Söhne"/>
+              </a:rPr>
+              <a:t>and</a:t>
+            </a:r>
+            <a:r>
+              <a:rPr lang="en-GB" b="1" i="0" dirty="0">
+                <a:effectLst/>
+                <a:latin typeface="Söhne"/>
+              </a:rPr>
+              <a:t> Questa Formal</a:t>
             </a:r>
             <a:r>
               <a:rPr lang="en-GB" b="0" i="0" dirty="0">
                 <a:effectLst/>
                 <a:latin typeface="Söhne"/>
               </a:rPr>
-              <a:t>, Spyglass, and Questa Formal.</a:t>
+              <a:t>.</a:t>
             </a:r>
           </a:p>
           <a:p>
@@ -13204,7 +13262,7 @@
                 <a:effectLst/>
                 <a:latin typeface="Söhne"/>
               </a:rPr>
-              <a:t>These tools allow designers to express the design and its requirements in a formal language, and to use automated methods to prove that the design meets these requirements.</a:t>
+              <a:t>These tools allow designers to express the design and its requirements in a formal language, and to     use automated methods to prove that the design meets these requirements.</a:t>
             </a:r>
             <a:endParaRPr lang="en-DE" dirty="0"/>
           </a:p>
@@ -14125,21 +14183,49 @@
                 <a:effectLst/>
                 <a:latin typeface="Söhne"/>
               </a:rPr>
-              <a:t>ifferent simulation-based verification tools available, including VCS, </a:t>
-            </a:r>
-            <a:r>
-              <a:rPr lang="en-GB" b="0" i="0" dirty="0" err="1">
+              <a:t>ifferent simulation-based verification tools available, including </a:t>
+            </a:r>
+            <a:r>
+              <a:rPr lang="en-GB" b="1" i="0" dirty="0">
                 <a:effectLst/>
                 <a:latin typeface="Söhne"/>
               </a:rPr>
+              <a:t>VCS, </a:t>
+            </a:r>
+            <a:r>
+              <a:rPr lang="en-GB" b="1" i="0" dirty="0" err="1">
+                <a:effectLst/>
+                <a:latin typeface="Söhne"/>
+              </a:rPr>
               <a:t>ModelSim</a:t>
+            </a:r>
+            <a:r>
+              <a:rPr lang="en-GB" b="1" i="0" dirty="0">
+                <a:effectLst/>
+                <a:latin typeface="Söhne"/>
+              </a:rPr>
+              <a:t>, </a:t>
+            </a:r>
+            <a:r>
+              <a:rPr lang="en-GB" i="0" dirty="0">
+                <a:effectLst/>
+                <a:latin typeface="Söhne"/>
+              </a:rPr>
+              <a:t>and</a:t>
+            </a:r>
+            <a:r>
+              <a:rPr lang="en-GB" b="1" i="0" dirty="0">
+                <a:effectLst/>
+                <a:latin typeface="Söhne"/>
+              </a:rPr>
+              <a:t> Questa</a:t>
             </a:r>
             <a:r>
               <a:rPr lang="en-GB" b="0" i="0" dirty="0">
                 <a:effectLst/>
                 <a:latin typeface="Söhne"/>
               </a:rPr>
-              <a:t>, and Questa. </a:t>
+              <a:t>. </a:t>
             </a:r>
           </a:p>
           <a:p>
